--- a/Aチーム/日本防衛軍(仮).pptx
+++ b/Aチーム/日本防衛軍(仮).pptx
@@ -243,7 +243,7 @@
           <a:p>
             <a:fld id="{D3C81039-C018-48EF-9E56-136EF57ACBAE}" type="datetimeFigureOut">
               <a:rPr kumimoji="1" lang="ja-JP" altLang="en-US" smtClean="0"/>
-              <a:t>2020/10/19</a:t>
+              <a:t>2020/10/20</a:t>
             </a:fld>
             <a:endParaRPr kumimoji="1" lang="ja-JP" altLang="en-US" dirty="0"/>
           </a:p>
@@ -491,7 +491,7 @@
           <a:p>
             <a:fld id="{D3C81039-C018-48EF-9E56-136EF57ACBAE}" type="datetimeFigureOut">
               <a:rPr kumimoji="1" lang="ja-JP" altLang="en-US" smtClean="0"/>
-              <a:t>2020/10/19</a:t>
+              <a:t>2020/10/20</a:t>
             </a:fld>
             <a:endParaRPr kumimoji="1" lang="ja-JP" altLang="en-US" dirty="0"/>
           </a:p>
@@ -703,7 +703,7 @@
           <a:p>
             <a:fld id="{D3C81039-C018-48EF-9E56-136EF57ACBAE}" type="datetimeFigureOut">
               <a:rPr kumimoji="1" lang="ja-JP" altLang="en-US" smtClean="0"/>
-              <a:t>2020/10/19</a:t>
+              <a:t>2020/10/20</a:t>
             </a:fld>
             <a:endParaRPr kumimoji="1" lang="ja-JP" altLang="en-US" dirty="0"/>
           </a:p>
@@ -905,7 +905,7 @@
           <a:p>
             <a:fld id="{D3C81039-C018-48EF-9E56-136EF57ACBAE}" type="datetimeFigureOut">
               <a:rPr kumimoji="1" lang="ja-JP" altLang="en-US" smtClean="0"/>
-              <a:t>2020/10/19</a:t>
+              <a:t>2020/10/20</a:t>
             </a:fld>
             <a:endParaRPr kumimoji="1" lang="ja-JP" altLang="en-US" dirty="0"/>
           </a:p>
@@ -1149,7 +1149,7 @@
           <a:p>
             <a:fld id="{D3C81039-C018-48EF-9E56-136EF57ACBAE}" type="datetimeFigureOut">
               <a:rPr kumimoji="1" lang="ja-JP" altLang="en-US" smtClean="0"/>
-              <a:t>2020/10/19</a:t>
+              <a:t>2020/10/20</a:t>
             </a:fld>
             <a:endParaRPr kumimoji="1" lang="ja-JP" altLang="en-US" dirty="0"/>
           </a:p>
@@ -1445,7 +1445,7 @@
           <a:p>
             <a:fld id="{D3C81039-C018-48EF-9E56-136EF57ACBAE}" type="datetimeFigureOut">
               <a:rPr kumimoji="1" lang="ja-JP" altLang="en-US" smtClean="0"/>
-              <a:t>2020/10/19</a:t>
+              <a:t>2020/10/20</a:t>
             </a:fld>
             <a:endParaRPr kumimoji="1" lang="ja-JP" altLang="en-US" dirty="0"/>
           </a:p>
@@ -1876,7 +1876,7 @@
           <a:p>
             <a:fld id="{D3C81039-C018-48EF-9E56-136EF57ACBAE}" type="datetimeFigureOut">
               <a:rPr kumimoji="1" lang="ja-JP" altLang="en-US" smtClean="0"/>
-              <a:t>2020/10/19</a:t>
+              <a:t>2020/10/20</a:t>
             </a:fld>
             <a:endParaRPr kumimoji="1" lang="ja-JP" altLang="en-US" dirty="0"/>
           </a:p>
@@ -1994,7 +1994,7 @@
           <a:p>
             <a:fld id="{D3C81039-C018-48EF-9E56-136EF57ACBAE}" type="datetimeFigureOut">
               <a:rPr kumimoji="1" lang="ja-JP" altLang="en-US" smtClean="0"/>
-              <a:t>2020/10/19</a:t>
+              <a:t>2020/10/20</a:t>
             </a:fld>
             <a:endParaRPr kumimoji="1" lang="ja-JP" altLang="en-US" dirty="0"/>
           </a:p>
@@ -2089,7 +2089,7 @@
           <a:p>
             <a:fld id="{D3C81039-C018-48EF-9E56-136EF57ACBAE}" type="datetimeFigureOut">
               <a:rPr kumimoji="1" lang="ja-JP" altLang="en-US" smtClean="0"/>
-              <a:t>2020/10/19</a:t>
+              <a:t>2020/10/20</a:t>
             </a:fld>
             <a:endParaRPr kumimoji="1" lang="ja-JP" altLang="en-US" dirty="0"/>
           </a:p>
@@ -2398,7 +2398,7 @@
           <a:p>
             <a:fld id="{D3C81039-C018-48EF-9E56-136EF57ACBAE}" type="datetimeFigureOut">
               <a:rPr kumimoji="1" lang="ja-JP" altLang="en-US" smtClean="0"/>
-              <a:t>2020/10/19</a:t>
+              <a:t>2020/10/20</a:t>
             </a:fld>
             <a:endParaRPr kumimoji="1" lang="ja-JP" altLang="en-US" dirty="0"/>
           </a:p>
@@ -2655,7 +2655,7 @@
           <a:p>
             <a:fld id="{D3C81039-C018-48EF-9E56-136EF57ACBAE}" type="datetimeFigureOut">
               <a:rPr kumimoji="1" lang="ja-JP" altLang="en-US" smtClean="0"/>
-              <a:t>2020/10/19</a:t>
+              <a:t>2020/10/20</a:t>
             </a:fld>
             <a:endParaRPr kumimoji="1" lang="ja-JP" altLang="en-US" dirty="0"/>
           </a:p>
@@ -2900,7 +2900,7 @@
           <a:p>
             <a:fld id="{D3C81039-C018-48EF-9E56-136EF57ACBAE}" type="datetimeFigureOut">
               <a:rPr kumimoji="1" lang="ja-JP" altLang="en-US" smtClean="0"/>
-              <a:t>2020/10/19</a:t>
+              <a:t>2020/10/20</a:t>
             </a:fld>
             <a:endParaRPr kumimoji="1" lang="ja-JP" altLang="en-US" dirty="0"/>
           </a:p>
@@ -3406,14 +3406,7 @@
                 <a:latin typeface="ロンド B スクエア" panose="02000600000000000000" pitchFamily="50" charset="-128"/>
                 <a:ea typeface="ロンド B スクエア" panose="02000600000000000000" pitchFamily="50" charset="-128"/>
               </a:rPr>
-              <a:t>日本</a:t>
-            </a:r>
-            <a:r>
-              <a:rPr kumimoji="1" lang="ja-JP" altLang="en-US" sz="6000" smtClean="0">
-                <a:latin typeface="ロンド B スクエア" panose="02000600000000000000" pitchFamily="50" charset="-128"/>
-                <a:ea typeface="ロンド B スクエア" panose="02000600000000000000" pitchFamily="50" charset="-128"/>
-              </a:rPr>
-              <a:t>防衛軍</a:t>
+              <a:t>日本防衛軍</a:t>
             </a:r>
             <a:endParaRPr kumimoji="1" lang="ja-JP" altLang="en-US" sz="6000" dirty="0"/>
           </a:p>
@@ -4034,8 +4027,8 @@
         </p:nvSpPr>
         <p:spPr>
           <a:xfrm>
-            <a:off x="2057400" y="1728393"/>
-            <a:ext cx="4222094" cy="369332"/>
+            <a:off x="1810264" y="1753769"/>
+            <a:ext cx="4358063" cy="369332"/>
           </a:xfrm>
           <a:prstGeom prst="rect">
             <a:avLst/>
